--- a/Poster.pptx
+++ b/Poster.pptx
@@ -277,7 +277,7 @@
             <a:fld id="{0158C5BC-9A70-462C-B28D-9600239EAC64}" type="datetimeFigureOut">
               <a:rPr lang="en-US" smtClean="0"/>
               <a:pPr/>
-              <a:t>11/19/2024</a:t>
+              <a:t>11/20/2024</a:t>
             </a:fld>
             <a:endParaRPr lang="en-US"/>
           </a:p>
@@ -444,7 +444,7 @@
             <a:fld id="{E6CC2317-6751-4CD4-9995-8782DD78E936}" type="datetimeFigureOut">
               <a:rPr lang="en-US" smtClean="0"/>
               <a:pPr/>
-              <a:t>11/19/2024</a:t>
+              <a:t>11/20/2024</a:t>
             </a:fld>
             <a:endParaRPr lang="en-US" dirty="0"/>
           </a:p>
@@ -16586,7 +16586,7 @@
         <p:spPr>
           <a:xfrm>
             <a:off x="977053" y="29070300"/>
-            <a:ext cx="9120343" cy="2877046"/>
+            <a:ext cx="9120344" cy="2877046"/>
           </a:xfrm>
           <a:prstGeom prst="rect">
             <a:avLst/>
@@ -16671,7 +16671,7 @@
         </p:blipFill>
         <p:spPr>
           <a:xfrm>
-            <a:off x="22890134" y="15669538"/>
+            <a:off x="22890134" y="16334559"/>
             <a:ext cx="9183664" cy="5439534"/>
           </a:xfrm>
           <a:prstGeom prst="rect">
@@ -17241,7 +17241,7 @@
         </p:nvSpPr>
         <p:spPr>
           <a:xfrm>
-            <a:off x="22420958" y="5517263"/>
+            <a:off x="22420958" y="6182284"/>
             <a:ext cx="9652839" cy="1661971"/>
           </a:xfrm>
           <a:prstGeom prst="rect">
@@ -17460,7 +17460,7 @@
         </p:nvSpPr>
         <p:spPr>
           <a:xfrm>
-            <a:off x="22420958" y="14338104"/>
+            <a:off x="22420958" y="15003125"/>
             <a:ext cx="10048874" cy="1661971"/>
           </a:xfrm>
           <a:prstGeom prst="rect">
@@ -17678,7 +17678,7 @@
         </p:nvSpPr>
         <p:spPr>
           <a:xfrm>
-            <a:off x="22015396" y="23986178"/>
+            <a:off x="22015396" y="24651199"/>
             <a:ext cx="10058400" cy="754045"/>
           </a:xfrm>
           <a:prstGeom prst="rect">
@@ -18531,7 +18531,7 @@
         </p:nvSpPr>
         <p:spPr>
           <a:xfrm>
-            <a:off x="22734737" y="12458553"/>
+            <a:off x="22734737" y="13123574"/>
             <a:ext cx="9541873" cy="2334443"/>
           </a:xfrm>
           <a:prstGeom prst="rect">
@@ -18751,7 +18751,7 @@
         </p:nvSpPr>
         <p:spPr>
           <a:xfrm>
-            <a:off x="22691756" y="21592902"/>
+            <a:off x="22691756" y="22257923"/>
             <a:ext cx="9382040" cy="2334443"/>
           </a:xfrm>
           <a:prstGeom prst="rect">
@@ -18975,7 +18975,7 @@
         </p:nvSpPr>
         <p:spPr>
           <a:xfrm>
-            <a:off x="22807600" y="28624393"/>
+            <a:off x="22807600" y="29289414"/>
             <a:ext cx="9662432" cy="2636993"/>
           </a:xfrm>
           <a:prstGeom prst="rect">
@@ -19187,7 +19187,7 @@
         </p:blipFill>
         <p:spPr>
           <a:xfrm>
-            <a:off x="22877289" y="25148569"/>
+            <a:off x="22877289" y="25813590"/>
             <a:ext cx="9196508" cy="3067478"/>
           </a:xfrm>
           <a:prstGeom prst="rect">
@@ -19677,7 +19677,7 @@
         </p:blipFill>
         <p:spPr>
           <a:xfrm>
-            <a:off x="22802321" y="6830895"/>
+            <a:off x="22802321" y="7495916"/>
             <a:ext cx="9271476" cy="5373769"/>
           </a:xfrm>
           <a:prstGeom prst="rect">
